--- a/Наработки/диздоки/Индокитай/Индокитай.pptx
+++ b/Наработки/диздоки/Индокитай/Индокитай.pptx
@@ -209,7 +209,7 @@
             <a:fld id="{33E3D7F9-E251-484C-A6FF-FA958879DF69}" type="datetimeFigureOut">
               <a:rPr lang="ru-RU" smtClean="0"/>
               <a:pPr/>
-              <a:t>18.08.2021</a:t>
+              <a:t>18.10.2021</a:t>
             </a:fld>
             <a:endParaRPr lang="ru-RU"/>
           </a:p>
@@ -700,7 +700,7 @@
             <a:fld id="{85A5DE44-605B-4D3B-B2B7-94543DF81A36}" type="datetimeFigureOut">
               <a:rPr lang="ru-RU" smtClean="0"/>
               <a:pPr/>
-              <a:t>18.08.2021</a:t>
+              <a:t>18.10.2021</a:t>
             </a:fld>
             <a:endParaRPr lang="ru-RU"/>
           </a:p>
@@ -872,7 +872,7 @@
             <a:fld id="{85A5DE44-605B-4D3B-B2B7-94543DF81A36}" type="datetimeFigureOut">
               <a:rPr lang="ru-RU" smtClean="0"/>
               <a:pPr/>
-              <a:t>18.08.2021</a:t>
+              <a:t>18.10.2021</a:t>
             </a:fld>
             <a:endParaRPr lang="ru-RU"/>
           </a:p>
@@ -1054,7 +1054,7 @@
             <a:fld id="{85A5DE44-605B-4D3B-B2B7-94543DF81A36}" type="datetimeFigureOut">
               <a:rPr lang="ru-RU" smtClean="0"/>
               <a:pPr/>
-              <a:t>18.08.2021</a:t>
+              <a:t>18.10.2021</a:t>
             </a:fld>
             <a:endParaRPr lang="ru-RU"/>
           </a:p>
@@ -1226,7 +1226,7 @@
             <a:fld id="{85A5DE44-605B-4D3B-B2B7-94543DF81A36}" type="datetimeFigureOut">
               <a:rPr lang="ru-RU" smtClean="0"/>
               <a:pPr/>
-              <a:t>18.08.2021</a:t>
+              <a:t>18.10.2021</a:t>
             </a:fld>
             <a:endParaRPr lang="ru-RU"/>
           </a:p>
@@ -1474,7 +1474,7 @@
             <a:fld id="{85A5DE44-605B-4D3B-B2B7-94543DF81A36}" type="datetimeFigureOut">
               <a:rPr lang="ru-RU" smtClean="0"/>
               <a:pPr/>
-              <a:t>18.08.2021</a:t>
+              <a:t>18.10.2021</a:t>
             </a:fld>
             <a:endParaRPr lang="ru-RU"/>
           </a:p>
@@ -1708,7 +1708,7 @@
             <a:fld id="{85A5DE44-605B-4D3B-B2B7-94543DF81A36}" type="datetimeFigureOut">
               <a:rPr lang="ru-RU" smtClean="0"/>
               <a:pPr/>
-              <a:t>18.08.2021</a:t>
+              <a:t>18.10.2021</a:t>
             </a:fld>
             <a:endParaRPr lang="ru-RU"/>
           </a:p>
@@ -2077,7 +2077,7 @@
             <a:fld id="{85A5DE44-605B-4D3B-B2B7-94543DF81A36}" type="datetimeFigureOut">
               <a:rPr lang="ru-RU" smtClean="0"/>
               <a:pPr/>
-              <a:t>18.08.2021</a:t>
+              <a:t>18.10.2021</a:t>
             </a:fld>
             <a:endParaRPr lang="ru-RU"/>
           </a:p>
@@ -2197,7 +2197,7 @@
             <a:fld id="{85A5DE44-605B-4D3B-B2B7-94543DF81A36}" type="datetimeFigureOut">
               <a:rPr lang="ru-RU" smtClean="0"/>
               <a:pPr/>
-              <a:t>18.08.2021</a:t>
+              <a:t>18.10.2021</a:t>
             </a:fld>
             <a:endParaRPr lang="ru-RU"/>
           </a:p>
@@ -2294,7 +2294,7 @@
             <a:fld id="{85A5DE44-605B-4D3B-B2B7-94543DF81A36}" type="datetimeFigureOut">
               <a:rPr lang="ru-RU" smtClean="0"/>
               <a:pPr/>
-              <a:t>18.08.2021</a:t>
+              <a:t>18.10.2021</a:t>
             </a:fld>
             <a:endParaRPr lang="ru-RU"/>
           </a:p>
@@ -2573,7 +2573,7 @@
             <a:fld id="{85A5DE44-605B-4D3B-B2B7-94543DF81A36}" type="datetimeFigureOut">
               <a:rPr lang="ru-RU" smtClean="0"/>
               <a:pPr/>
-              <a:t>18.08.2021</a:t>
+              <a:t>18.10.2021</a:t>
             </a:fld>
             <a:endParaRPr lang="ru-RU"/>
           </a:p>
@@ -2832,7 +2832,7 @@
             <a:fld id="{85A5DE44-605B-4D3B-B2B7-94543DF81A36}" type="datetimeFigureOut">
               <a:rPr lang="ru-RU" smtClean="0"/>
               <a:pPr/>
-              <a:t>18.08.2021</a:t>
+              <a:t>18.10.2021</a:t>
             </a:fld>
             <a:endParaRPr lang="ru-RU"/>
           </a:p>
@@ -3047,7 +3047,7 @@
             <a:fld id="{85A5DE44-605B-4D3B-B2B7-94543DF81A36}" type="datetimeFigureOut">
               <a:rPr lang="ru-RU" smtClean="0"/>
               <a:pPr/>
-              <a:t>18.08.2021</a:t>
+              <a:t>18.10.2021</a:t>
             </a:fld>
             <a:endParaRPr lang="ru-RU"/>
           </a:p>
@@ -3490,15 +3490,7 @@
             <a:pPr algn="ctr"/>
             <a:r>
               <a:rPr lang="ru-RU" sz="2400" b="1" dirty="0" smtClean="0"/>
-              <a:t>17</a:t>
-            </a:r>
-            <a:r>
-              <a:rPr lang="ru-RU" sz="2400" b="1" dirty="0" smtClean="0"/>
-              <a:t> </a:t>
-            </a:r>
-            <a:r>
-              <a:rPr lang="ru-RU" sz="2400" b="1" dirty="0" smtClean="0"/>
-              <a:t>фокусов</a:t>
+              <a:t>17 фокусов</a:t>
             </a:r>
             <a:endParaRPr lang="en-US" sz="2400" b="1" dirty="0" smtClean="0"/>
           </a:p>
@@ -4406,7 +4398,6 @@
               <a:rPr lang="ru-RU" sz="1400" dirty="0" smtClean="0"/>
               <a:t>Колониальное управление Лаоса</a:t>
             </a:r>
-            <a:endParaRPr lang="ru-RU" sz="1400" dirty="0" smtClean="0"/>
           </a:p>
         </p:txBody>
       </p:sp>
@@ -4813,7 +4804,6 @@
               <a:rPr lang="ru-RU" sz="1400" dirty="0" smtClean="0"/>
               <a:t>)</a:t>
             </a:r>
-            <a:endParaRPr lang="ru-RU" sz="1400" dirty="0" smtClean="0"/>
           </a:p>
         </p:txBody>
       </p:sp>
@@ -4893,7 +4883,6 @@
               <a:rPr lang="ru-RU" sz="1400" dirty="0" smtClean="0"/>
               <a:t>Создание сил самообороны  Лаоса</a:t>
             </a:r>
-            <a:endParaRPr lang="ru-RU" sz="1400" dirty="0" smtClean="0"/>
           </a:p>
         </p:txBody>
       </p:sp>
@@ -5202,7 +5191,6 @@
               <a:rPr lang="ru-RU" sz="1400" dirty="0" smtClean="0"/>
               <a:t>Выпуск новых банкнот</a:t>
             </a:r>
-            <a:endParaRPr lang="ru-RU" sz="1400" dirty="0" smtClean="0"/>
           </a:p>
         </p:txBody>
       </p:sp>
@@ -5245,7 +5233,6 @@
               <a:rPr lang="ru-RU" sz="1400" dirty="0" smtClean="0"/>
               <a:t>Укрепить валюту страны</a:t>
             </a:r>
-            <a:endParaRPr lang="ru-RU" sz="1400" dirty="0" smtClean="0"/>
           </a:p>
         </p:txBody>
       </p:sp>
@@ -5288,7 +5275,6 @@
               <a:rPr lang="ru-RU" sz="1400" dirty="0" smtClean="0"/>
               <a:t>Создание Лаосской администрации</a:t>
             </a:r>
-            <a:endParaRPr lang="ru-RU" sz="1400" dirty="0" smtClean="0"/>
           </a:p>
         </p:txBody>
       </p:sp>
@@ -5331,7 +5317,6 @@
               <a:rPr lang="ru-RU" sz="1400" dirty="0" smtClean="0"/>
               <a:t>Начать массовую пропаганду</a:t>
             </a:r>
-            <a:endParaRPr lang="ru-RU" sz="1400" dirty="0" smtClean="0"/>
           </a:p>
         </p:txBody>
       </p:sp>
@@ -5421,7 +5406,6 @@
               <a:rPr lang="ru-RU" sz="1400" dirty="0" smtClean="0"/>
               <a:t>Примириться с французами</a:t>
             </a:r>
-            <a:endParaRPr lang="ru-RU" sz="1400" dirty="0" smtClean="0"/>
           </a:p>
         </p:txBody>
       </p:sp>
@@ -5838,7 +5822,6 @@
               <a:rPr lang="ru-RU" sz="1400" dirty="0" smtClean="0"/>
               <a:t>Реорганизация Консультативного совета короля</a:t>
             </a:r>
-            <a:endParaRPr lang="ru-RU" sz="1400" dirty="0" smtClean="0"/>
           </a:p>
         </p:txBody>
       </p:sp>
@@ -5901,7 +5884,6 @@
               <a:rPr lang="ru-RU" sz="700" dirty="0" smtClean="0"/>
               <a:t>пали)</a:t>
             </a:r>
-            <a:endParaRPr lang="ru-RU" sz="700" dirty="0" smtClean="0"/>
           </a:p>
         </p:txBody>
       </p:sp>
@@ -5942,11 +5924,7 @@
             <a:pPr algn="ctr"/>
             <a:r>
               <a:rPr lang="ru-RU" sz="1400" dirty="0" smtClean="0"/>
-              <a:t>Институт права </a:t>
-            </a:r>
-            <a:r>
-              <a:rPr lang="ru-RU" sz="1400" dirty="0" smtClean="0"/>
-              <a:t>и управления </a:t>
+              <a:t>Институт права и управления </a:t>
             </a:r>
             <a:r>
               <a:rPr lang="ru-RU" sz="600" dirty="0" smtClean="0"/>
@@ -6000,7 +5978,6 @@
               <a:rPr lang="ru-RU" sz="600" dirty="0" smtClean="0"/>
               <a:t>.)</a:t>
             </a:r>
-            <a:endParaRPr lang="ru-RU" sz="600" dirty="0" smtClean="0"/>
           </a:p>
         </p:txBody>
       </p:sp>
@@ -6047,7 +6024,6 @@
               <a:rPr lang="ru-RU" sz="800" dirty="0" smtClean="0"/>
               <a:t>(Он установил правила для вознаграждения, переназначения и продвижения достойных государственных служащих, а также создал судебную систему, включая гражданский и уголовный кодексы.)</a:t>
             </a:r>
-            <a:endParaRPr lang="ru-RU" sz="800" dirty="0" smtClean="0"/>
           </a:p>
         </p:txBody>
       </p:sp>
@@ -6384,6 +6360,1762 @@
           </a:prstGeom>
           <a:ln w="28575">
             <a:tailEnd type="arrow"/>
+          </a:ln>
+        </p:spPr>
+        <p:style>
+          <a:lnRef idx="1">
+            <a:schemeClr val="accent1"/>
+          </a:lnRef>
+          <a:fillRef idx="0">
+            <a:schemeClr val="accent1"/>
+          </a:fillRef>
+          <a:effectRef idx="0">
+            <a:schemeClr val="accent1"/>
+          </a:effectRef>
+          <a:fontRef idx="minor">
+            <a:schemeClr val="tx1"/>
+          </a:fontRef>
+        </p:style>
+      </p:cxnSp>
+      <p:sp>
+        <p:nvSpPr>
+          <p:cNvPr id="76" name="Прямоугольник 75"/>
+          <p:cNvSpPr/>
+          <p:nvPr/>
+        </p:nvSpPr>
+        <p:spPr>
+          <a:xfrm>
+            <a:off x="22909531" y="7793489"/>
+            <a:ext cx="2115918" cy="1080000"/>
+          </a:xfrm>
+          <a:prstGeom prst="rect">
+            <a:avLst/>
+          </a:prstGeom>
+          <a:ln w="28575"/>
+        </p:spPr>
+        <p:style>
+          <a:lnRef idx="2">
+            <a:schemeClr val="accent1"/>
+          </a:lnRef>
+          <a:fillRef idx="1">
+            <a:schemeClr val="lt1"/>
+          </a:fillRef>
+          <a:effectRef idx="0">
+            <a:schemeClr val="accent1"/>
+          </a:effectRef>
+          <a:fontRef idx="minor">
+            <a:schemeClr val="dk1"/>
+          </a:fontRef>
+        </p:style>
+        <p:txBody>
+          <a:bodyPr lIns="124733" tIns="62367" rIns="124733" bIns="62367" rtlCol="0" anchor="ctr"/>
+          <a:lstStyle/>
+          <a:p>
+            <a:pPr algn="ctr"/>
+            <a:r>
+              <a:rPr lang="ru-RU" sz="1400" dirty="0" smtClean="0"/>
+              <a:t>Кхмеры </a:t>
+            </a:r>
+            <a:r>
+              <a:rPr lang="ru-RU" sz="1400" dirty="0" err="1" smtClean="0"/>
+              <a:t>Иссарак</a:t>
+            </a:r>
+            <a:r>
+              <a:rPr lang="ru-RU" sz="1400" dirty="0" smtClean="0"/>
+              <a:t> (</a:t>
+            </a:r>
+            <a:r>
+              <a:rPr lang="en-US" sz="1400" dirty="0"/>
+              <a:t>https://fr.wikipedia.org/wiki/Khmers_issarak</a:t>
+            </a:r>
+            <a:r>
+              <a:rPr lang="ru-RU" sz="1400" dirty="0" smtClean="0"/>
+              <a:t>)</a:t>
+            </a:r>
+          </a:p>
+        </p:txBody>
+      </p:sp>
+      <p:sp>
+        <p:nvSpPr>
+          <p:cNvPr id="78" name="Прямоугольник 77"/>
+          <p:cNvSpPr/>
+          <p:nvPr/>
+        </p:nvSpPr>
+        <p:spPr>
+          <a:xfrm>
+            <a:off x="20509863" y="10753254"/>
+            <a:ext cx="2115918" cy="1080000"/>
+          </a:xfrm>
+          <a:prstGeom prst="rect">
+            <a:avLst/>
+          </a:prstGeom>
+          <a:ln w="28575"/>
+        </p:spPr>
+        <p:style>
+          <a:lnRef idx="2">
+            <a:schemeClr val="accent1"/>
+          </a:lnRef>
+          <a:fillRef idx="1">
+            <a:schemeClr val="lt1"/>
+          </a:fillRef>
+          <a:effectRef idx="0">
+            <a:schemeClr val="accent1"/>
+          </a:effectRef>
+          <a:fontRef idx="minor">
+            <a:schemeClr val="dk1"/>
+          </a:fontRef>
+        </p:style>
+        <p:txBody>
+          <a:bodyPr lIns="124733" tIns="62367" rIns="124733" bIns="62367" rtlCol="0" anchor="ctr"/>
+          <a:lstStyle/>
+          <a:p>
+            <a:pPr algn="ctr"/>
+            <a:r>
+              <a:rPr lang="ru-RU" sz="1400" dirty="0"/>
+              <a:t>Восстание зонтиков </a:t>
+            </a:r>
+            <a:r>
+              <a:rPr lang="ru-RU" sz="200" dirty="0"/>
+              <a:t>(Восстание </a:t>
+            </a:r>
+            <a:r>
+              <a:rPr lang="ru-RU" sz="200" dirty="0" err="1"/>
+              <a:t>зонтиковВ</a:t>
+            </a:r>
+            <a:r>
+              <a:rPr lang="ru-RU" sz="200" dirty="0"/>
+              <a:t> Камбодже, стремясь примирить местное население с европейскими колонизаторами, японцы разыгрывают карту союза с буддийским духовенством , привлекая сочувствие некоторых </a:t>
+            </a:r>
+            <a:r>
+              <a:rPr lang="ru-RU" sz="200" dirty="0" err="1"/>
+              <a:t>бонзов</a:t>
+            </a:r>
+            <a:r>
+              <a:rPr lang="ru-RU" sz="200" dirty="0"/>
+              <a:t> , в частности высокопоставленного </a:t>
+            </a:r>
+            <a:r>
+              <a:rPr lang="ru-RU" sz="200" dirty="0" err="1"/>
+              <a:t>Хем</a:t>
+            </a:r>
+            <a:r>
+              <a:rPr lang="ru-RU" sz="200" dirty="0"/>
+              <a:t> </a:t>
+            </a:r>
+            <a:r>
+              <a:rPr lang="ru-RU" sz="200" dirty="0" err="1"/>
+              <a:t>Чиеу</a:t>
+            </a:r>
+            <a:r>
+              <a:rPr lang="ru-RU" sz="200" dirty="0"/>
+              <a:t>, профессора Буддийского института. . В18 июля 1942 г., </a:t>
+            </a:r>
+            <a:r>
+              <a:rPr lang="ru-RU" sz="200" dirty="0" err="1"/>
+              <a:t>Хем</a:t>
+            </a:r>
+            <a:r>
+              <a:rPr lang="ru-RU" sz="200" dirty="0"/>
+              <a:t> </a:t>
+            </a:r>
+            <a:r>
+              <a:rPr lang="ru-RU" sz="200" dirty="0" err="1"/>
+              <a:t>Чиеу</a:t>
+            </a:r>
+            <a:r>
+              <a:rPr lang="ru-RU" sz="200" dirty="0"/>
+              <a:t> и еще один монах подозреваются в подрывной деятельности и арестованы французами, которые, как это принято, не позаботились предупредить буддийскую иерархию. Двумя днями позже главный редактор </a:t>
+            </a:r>
+            <a:r>
+              <a:rPr lang="ru-RU" sz="200" dirty="0" err="1"/>
+              <a:t>Nagaravatta</a:t>
+            </a:r>
+            <a:r>
+              <a:rPr lang="ru-RU" sz="200" dirty="0"/>
+              <a:t> Пак </a:t>
+            </a:r>
+            <a:r>
+              <a:rPr lang="ru-RU" sz="200" dirty="0" err="1"/>
+              <a:t>Чхойн</a:t>
+            </a:r>
+            <a:r>
+              <a:rPr lang="ru-RU" sz="200" dirty="0"/>
+              <a:t> выходит на улицы Пномпеня вместе с двумя тысячами демонстрантов, в том числе многими монахами, чтобы выразить протест местному генералу. Событие получило название «восстание зонтиков» в связи с зонтиками, которыми размахивают некоторые монахи: демонстрация заканчивается бунтом, а репрессии полиции приводят к многочисленным арестам, в том числе </a:t>
+            </a:r>
+            <a:r>
+              <a:rPr lang="ru-RU" sz="200" dirty="0" err="1"/>
+              <a:t>Пач</a:t>
+            </a:r>
+            <a:r>
+              <a:rPr lang="ru-RU" sz="200" dirty="0"/>
+              <a:t> </a:t>
+            </a:r>
+            <a:r>
+              <a:rPr lang="ru-RU" sz="200" dirty="0" err="1"/>
+              <a:t>Чхоена</a:t>
+            </a:r>
+            <a:r>
+              <a:rPr lang="ru-RU" sz="200" dirty="0"/>
+              <a:t>. </a:t>
+            </a:r>
+            <a:r>
+              <a:rPr lang="ru-RU" sz="200" dirty="0" err="1"/>
+              <a:t>Хем</a:t>
+            </a:r>
+            <a:r>
+              <a:rPr lang="ru-RU" sz="200" dirty="0"/>
+              <a:t> </a:t>
+            </a:r>
+            <a:r>
+              <a:rPr lang="ru-RU" sz="200" dirty="0" err="1"/>
+              <a:t>Чиеу</a:t>
+            </a:r>
+            <a:r>
+              <a:rPr lang="ru-RU" sz="200" dirty="0"/>
+              <a:t> депортирован в тюрьму. Сон </a:t>
+            </a:r>
+            <a:r>
+              <a:rPr lang="ru-RU" sz="200" dirty="0" err="1"/>
+              <a:t>Нгок</a:t>
+            </a:r>
+            <a:r>
+              <a:rPr lang="ru-RU" sz="200" dirty="0"/>
+              <a:t> </a:t>
+            </a:r>
+            <a:r>
+              <a:rPr lang="ru-RU" sz="200" dirty="0" err="1"/>
+              <a:t>ТханьОн</a:t>
+            </a:r>
+            <a:r>
+              <a:rPr lang="ru-RU" sz="200" dirty="0"/>
+              <a:t> бежал в Таиланд, а затем в Японию, где получил поддержку имперских властей [ 17 ] . «Зонтик бунт» считается первым публичным проявлением молодого кхмерского национализма [ 22 ] .)</a:t>
+            </a:r>
+            <a:endParaRPr lang="ru-RU" sz="200" dirty="0" smtClean="0"/>
+          </a:p>
+        </p:txBody>
+      </p:sp>
+      <p:sp>
+        <p:nvSpPr>
+          <p:cNvPr id="79" name="Прямоугольник 78"/>
+          <p:cNvSpPr/>
+          <p:nvPr/>
+        </p:nvSpPr>
+        <p:spPr>
+          <a:xfrm>
+            <a:off x="15559316" y="9273372"/>
+            <a:ext cx="2115918" cy="1080000"/>
+          </a:xfrm>
+          <a:prstGeom prst="rect">
+            <a:avLst/>
+          </a:prstGeom>
+          <a:solidFill>
+            <a:srgbClr val="CC66FF"/>
+          </a:solidFill>
+          <a:ln w="28575"/>
+        </p:spPr>
+        <p:style>
+          <a:lnRef idx="2">
+            <a:schemeClr val="accent1"/>
+          </a:lnRef>
+          <a:fillRef idx="1">
+            <a:schemeClr val="lt1"/>
+          </a:fillRef>
+          <a:effectRef idx="0">
+            <a:schemeClr val="accent1"/>
+          </a:effectRef>
+          <a:fontRef idx="minor">
+            <a:schemeClr val="dk1"/>
+          </a:fontRef>
+        </p:style>
+        <p:txBody>
+          <a:bodyPr lIns="124733" tIns="62367" rIns="124733" bIns="62367" rtlCol="0" anchor="ctr"/>
+          <a:lstStyle/>
+          <a:p>
+            <a:pPr algn="ctr"/>
+            <a:r>
+              <a:rPr lang="ru-RU" sz="1400" dirty="0" smtClean="0"/>
+              <a:t>Король </a:t>
+            </a:r>
+            <a:r>
+              <a:rPr lang="ru-RU" sz="1400" dirty="0" err="1"/>
+              <a:t>Сисоват</a:t>
+            </a:r>
+            <a:r>
+              <a:rPr lang="ru-RU" sz="1400" dirty="0"/>
+              <a:t> </a:t>
+            </a:r>
+            <a:r>
+              <a:rPr lang="ru-RU" sz="1400" dirty="0" err="1"/>
+              <a:t>Монирет</a:t>
+            </a:r>
+            <a:r>
+              <a:rPr lang="ru-RU" sz="1400" dirty="0"/>
+              <a:t> (</a:t>
+            </a:r>
+            <a:r>
+              <a:rPr lang="en-US" sz="1400" dirty="0" err="1"/>
+              <a:t>Sisowath</a:t>
+            </a:r>
+            <a:r>
+              <a:rPr lang="en-US" sz="1400" dirty="0"/>
+              <a:t> </a:t>
+            </a:r>
+            <a:r>
+              <a:rPr lang="en-US" sz="1400" dirty="0" err="1"/>
+              <a:t>Monireth</a:t>
+            </a:r>
+            <a:r>
+              <a:rPr lang="ru-RU" sz="1400" dirty="0"/>
+              <a:t>)</a:t>
+            </a:r>
+            <a:endParaRPr lang="ru-RU" sz="1400" dirty="0"/>
+          </a:p>
+        </p:txBody>
+      </p:sp>
+      <p:sp>
+        <p:nvSpPr>
+          <p:cNvPr id="81" name="Прямоугольник 80"/>
+          <p:cNvSpPr/>
+          <p:nvPr/>
+        </p:nvSpPr>
+        <p:spPr>
+          <a:xfrm>
+            <a:off x="18110059" y="9273372"/>
+            <a:ext cx="2115918" cy="1080000"/>
+          </a:xfrm>
+          <a:prstGeom prst="rect">
+            <a:avLst/>
+          </a:prstGeom>
+          <a:ln w="28575"/>
+        </p:spPr>
+        <p:style>
+          <a:lnRef idx="2">
+            <a:schemeClr val="accent1"/>
+          </a:lnRef>
+          <a:fillRef idx="1">
+            <a:schemeClr val="lt1"/>
+          </a:fillRef>
+          <a:effectRef idx="0">
+            <a:schemeClr val="accent1"/>
+          </a:effectRef>
+          <a:fontRef idx="minor">
+            <a:schemeClr val="dk1"/>
+          </a:fontRef>
+        </p:style>
+        <p:txBody>
+          <a:bodyPr lIns="124733" tIns="62367" rIns="124733" bIns="62367" rtlCol="0" anchor="ctr"/>
+          <a:lstStyle/>
+          <a:p>
+            <a:pPr algn="ctr"/>
+            <a:r>
+              <a:rPr lang="ru-RU" sz="1400" dirty="0" smtClean="0"/>
+              <a:t>Вмешаться в престолонаследие (историчный вариант)  </a:t>
+            </a:r>
+            <a:r>
+              <a:rPr lang="ru-RU" sz="300" dirty="0" smtClean="0"/>
+              <a:t>(апреле 1941 года король </a:t>
+            </a:r>
+            <a:r>
+              <a:rPr lang="ru-RU" sz="300" dirty="0" err="1" smtClean="0"/>
+              <a:t>Сисоват</a:t>
+            </a:r>
+            <a:r>
+              <a:rPr lang="ru-RU" sz="300" dirty="0" smtClean="0"/>
+              <a:t> </a:t>
+            </a:r>
+            <a:r>
+              <a:rPr lang="ru-RU" sz="300" dirty="0" err="1" smtClean="0"/>
+              <a:t>Монивонг</a:t>
+            </a:r>
+            <a:r>
+              <a:rPr lang="ru-RU" sz="300" dirty="0" smtClean="0"/>
+              <a:t> , подорванный опасениями по поводу японского и тайского империализма, умер в возрасте шестидесяти пяти лет. Один из его сыновей, принц </a:t>
+            </a:r>
+            <a:r>
+              <a:rPr lang="ru-RU" sz="300" dirty="0" err="1" smtClean="0"/>
+              <a:t>Сисоват</a:t>
+            </a:r>
+            <a:r>
+              <a:rPr lang="ru-RU" sz="300" dirty="0" smtClean="0"/>
+              <a:t> </a:t>
+            </a:r>
+            <a:r>
+              <a:rPr lang="ru-RU" sz="300" dirty="0" err="1" smtClean="0"/>
+              <a:t>Монирет</a:t>
+            </a:r>
+            <a:r>
+              <a:rPr lang="ru-RU" sz="300" dirty="0" smtClean="0"/>
+              <a:t> , кажется наиболее вероятным преемником в очень большой королевской семье. Но генерал-губернатор Жан Деку , ответственный за надзор за престолонаследием, предпочитает предоставить доступ к трону внуку </a:t>
+            </a:r>
+            <a:r>
+              <a:rPr lang="ru-RU" sz="300" dirty="0" err="1" smtClean="0"/>
+              <a:t>Монивонга</a:t>
+            </a:r>
+            <a:r>
+              <a:rPr lang="ru-RU" sz="300" dirty="0" smtClean="0"/>
+              <a:t> и племяннику </a:t>
+            </a:r>
+            <a:r>
+              <a:rPr lang="ru-RU" sz="300" dirty="0" err="1" smtClean="0"/>
+              <a:t>Монирета</a:t>
+            </a:r>
+            <a:r>
+              <a:rPr lang="ru-RU" sz="300" dirty="0" smtClean="0"/>
+              <a:t>, принцу </a:t>
+            </a:r>
+            <a:r>
+              <a:rPr lang="ru-RU" sz="300" dirty="0" err="1" smtClean="0"/>
+              <a:t>Нородому</a:t>
+            </a:r>
+            <a:r>
+              <a:rPr lang="ru-RU" sz="300" dirty="0" smtClean="0"/>
+              <a:t> </a:t>
+            </a:r>
+            <a:r>
+              <a:rPr lang="ru-RU" sz="300" dirty="0" err="1" smtClean="0"/>
+              <a:t>Сиануку</a:t>
+            </a:r>
+            <a:r>
+              <a:rPr lang="ru-RU" sz="300" dirty="0" smtClean="0"/>
+              <a:t> , которому тогда было восемнадцать лет и которого считали более податливым)</a:t>
+            </a:r>
+            <a:endParaRPr lang="ru-RU" sz="300" dirty="0" smtClean="0"/>
+          </a:p>
+        </p:txBody>
+      </p:sp>
+      <p:sp>
+        <p:nvSpPr>
+          <p:cNvPr id="82" name="Прямоугольник 81"/>
+          <p:cNvSpPr/>
+          <p:nvPr/>
+        </p:nvSpPr>
+        <p:spPr>
+          <a:xfrm>
+            <a:off x="14349833" y="1633322"/>
+            <a:ext cx="2115918" cy="1080000"/>
+          </a:xfrm>
+          <a:prstGeom prst="rect">
+            <a:avLst/>
+          </a:prstGeom>
+          <a:ln w="28575"/>
+        </p:spPr>
+        <p:style>
+          <a:lnRef idx="2">
+            <a:schemeClr val="accent1"/>
+          </a:lnRef>
+          <a:fillRef idx="1">
+            <a:schemeClr val="lt1"/>
+          </a:fillRef>
+          <a:effectRef idx="0">
+            <a:schemeClr val="accent1"/>
+          </a:effectRef>
+          <a:fontRef idx="minor">
+            <a:schemeClr val="dk1"/>
+          </a:fontRef>
+        </p:style>
+        <p:txBody>
+          <a:bodyPr lIns="124733" tIns="62367" rIns="124733" bIns="62367" rtlCol="0" anchor="ctr"/>
+          <a:lstStyle/>
+          <a:p>
+            <a:pPr algn="ctr"/>
+            <a:r>
+              <a:rPr lang="ru-RU" sz="1400" dirty="0" smtClean="0"/>
+              <a:t>Колониальное управление Камбоджи</a:t>
+            </a:r>
+          </a:p>
+        </p:txBody>
+      </p:sp>
+      <p:sp>
+        <p:nvSpPr>
+          <p:cNvPr id="84" name="Прямоугольник 83"/>
+          <p:cNvSpPr/>
+          <p:nvPr/>
+        </p:nvSpPr>
+        <p:spPr>
+          <a:xfrm>
+            <a:off x="18110059" y="12234726"/>
+            <a:ext cx="2115918" cy="1080000"/>
+          </a:xfrm>
+          <a:prstGeom prst="rect">
+            <a:avLst/>
+          </a:prstGeom>
+          <a:solidFill>
+            <a:schemeClr val="bg1">
+              <a:lumMod val="65000"/>
+            </a:schemeClr>
+          </a:solidFill>
+          <a:ln w="28575"/>
+        </p:spPr>
+        <p:style>
+          <a:lnRef idx="2">
+            <a:schemeClr val="accent1"/>
+          </a:lnRef>
+          <a:fillRef idx="1">
+            <a:schemeClr val="lt1"/>
+          </a:fillRef>
+          <a:effectRef idx="0">
+            <a:schemeClr val="accent1"/>
+          </a:effectRef>
+          <a:fontRef idx="minor">
+            <a:schemeClr val="dk1"/>
+          </a:fontRef>
+        </p:style>
+        <p:txBody>
+          <a:bodyPr lIns="124733" tIns="62367" rIns="124733" bIns="62367" rtlCol="0" anchor="ctr"/>
+          <a:lstStyle/>
+          <a:p>
+            <a:pPr algn="ctr"/>
+            <a:r>
+              <a:rPr lang="ru-RU" sz="1400" dirty="0" smtClean="0"/>
+              <a:t>Экономическая </a:t>
+            </a:r>
+            <a:r>
+              <a:rPr lang="ru-RU" sz="1400" dirty="0"/>
+              <a:t>роль </a:t>
+            </a:r>
+            <a:r>
+              <a:rPr lang="ru-RU" sz="1400" dirty="0" smtClean="0"/>
+              <a:t>Камбоджи (1942) </a:t>
+            </a:r>
+            <a:r>
+              <a:rPr lang="ru-RU" sz="400" dirty="0"/>
+              <a:t>(в документе из Верхней резиденции в 1942 году говорилось, что «экономическая роль Камбоджи состоит частично в снабжении рынка Сайгон-</a:t>
+            </a:r>
+            <a:r>
+              <a:rPr lang="ru-RU" sz="400" dirty="0" err="1"/>
+              <a:t>Чолон</a:t>
+            </a:r>
+            <a:r>
+              <a:rPr lang="ru-RU" sz="400" dirty="0"/>
+              <a:t> и, во вторую очередь, всего Индокитая, сельскохозяйственных продуктов, а также сырья, которое является вывозится, а иногда и возвращается ему в виде готовой продукции или полуфабрикатов)</a:t>
+            </a:r>
+            <a:endParaRPr lang="ru-RU" sz="400" dirty="0" smtClean="0"/>
+          </a:p>
+        </p:txBody>
+      </p:sp>
+      <p:sp>
+        <p:nvSpPr>
+          <p:cNvPr id="85" name="Прямоугольник 84"/>
+          <p:cNvSpPr/>
+          <p:nvPr/>
+        </p:nvSpPr>
+        <p:spPr>
+          <a:xfrm>
+            <a:off x="11935497" y="3113205"/>
+            <a:ext cx="2115918" cy="1080000"/>
+          </a:xfrm>
+          <a:prstGeom prst="rect">
+            <a:avLst/>
+          </a:prstGeom>
+          <a:ln w="28575"/>
+        </p:spPr>
+        <p:style>
+          <a:lnRef idx="2">
+            <a:schemeClr val="accent1"/>
+          </a:lnRef>
+          <a:fillRef idx="1">
+            <a:schemeClr val="lt1"/>
+          </a:fillRef>
+          <a:effectRef idx="0">
+            <a:schemeClr val="accent1"/>
+          </a:effectRef>
+          <a:fontRef idx="minor">
+            <a:schemeClr val="dk1"/>
+          </a:fontRef>
+        </p:style>
+        <p:txBody>
+          <a:bodyPr lIns="124733" tIns="62367" rIns="124733" bIns="62367" rtlCol="0" anchor="ctr"/>
+          <a:lstStyle/>
+          <a:p>
+            <a:pPr algn="ctr"/>
+            <a:r>
+              <a:rPr lang="ru-RU" sz="1400" dirty="0" smtClean="0"/>
+              <a:t>Соединить Пномпень с тайской </a:t>
+            </a:r>
+            <a:r>
+              <a:rPr lang="ru-RU" sz="1400" dirty="0"/>
+              <a:t>границей </a:t>
+            </a:r>
+            <a:r>
+              <a:rPr lang="ru-RU" sz="700" dirty="0"/>
+              <a:t>(Для развития экономической инфраструктуры колониальная администрация построила ряд дорог и железнодорожных линий, в том числе линию, соединяющую Пномпень с тайской границей.)</a:t>
+            </a:r>
+            <a:endParaRPr lang="ru-RU" sz="700" dirty="0" smtClean="0"/>
+          </a:p>
+        </p:txBody>
+      </p:sp>
+      <p:sp>
+        <p:nvSpPr>
+          <p:cNvPr id="87" name="Прямоугольник 86"/>
+          <p:cNvSpPr/>
+          <p:nvPr/>
+        </p:nvSpPr>
+        <p:spPr>
+          <a:xfrm>
+            <a:off x="14377129" y="6072973"/>
+            <a:ext cx="2115918" cy="1080000"/>
+          </a:xfrm>
+          <a:prstGeom prst="rect">
+            <a:avLst/>
+          </a:prstGeom>
+          <a:ln w="28575"/>
+        </p:spPr>
+        <p:style>
+          <a:lnRef idx="2">
+            <a:schemeClr val="accent1"/>
+          </a:lnRef>
+          <a:fillRef idx="1">
+            <a:schemeClr val="lt1"/>
+          </a:fillRef>
+          <a:effectRef idx="0">
+            <a:schemeClr val="accent1"/>
+          </a:effectRef>
+          <a:fontRef idx="minor">
+            <a:schemeClr val="dk1"/>
+          </a:fontRef>
+        </p:style>
+        <p:txBody>
+          <a:bodyPr lIns="124733" tIns="62367" rIns="124733" bIns="62367" rtlCol="0" anchor="ctr"/>
+          <a:lstStyle/>
+          <a:p>
+            <a:pPr algn="ctr"/>
+            <a:r>
+              <a:rPr lang="ru-RU" sz="1400" dirty="0" smtClean="0"/>
+              <a:t>Расширение </a:t>
+            </a:r>
+            <a:r>
+              <a:rPr lang="ru-RU" sz="1400" dirty="0"/>
+              <a:t>буддистского университета </a:t>
+            </a:r>
+            <a:r>
+              <a:rPr lang="ru-RU" sz="800" dirty="0" smtClean="0"/>
+              <a:t>(ИВЕНТ</a:t>
+            </a:r>
+            <a:r>
+              <a:rPr lang="en-US" sz="800" dirty="0" smtClean="0"/>
+              <a:t>: </a:t>
+            </a:r>
+            <a:r>
+              <a:rPr lang="ru-RU" sz="800" dirty="0" smtClean="0"/>
+              <a:t>Восковая </a:t>
+            </a:r>
+            <a:r>
+              <a:rPr lang="ru-RU" sz="800" dirty="0"/>
+              <a:t>статуя </a:t>
+            </a:r>
+            <a:r>
+              <a:rPr lang="ru-RU" sz="800" dirty="0" err="1"/>
+              <a:t>Чуон</a:t>
+            </a:r>
+            <a:r>
+              <a:rPr lang="ru-RU" sz="800" dirty="0"/>
+              <a:t> </a:t>
+            </a:r>
+            <a:r>
+              <a:rPr lang="ru-RU" sz="800" dirty="0" err="1"/>
+              <a:t>Натха</a:t>
+            </a:r>
+            <a:r>
+              <a:rPr lang="ru-RU" sz="800" dirty="0"/>
+              <a:t>, у истоков первого словаря кхмерского языка, опубликованного институтом в 1938 году.)</a:t>
+            </a:r>
+            <a:endParaRPr lang="ru-RU" sz="800" dirty="0" smtClean="0"/>
+          </a:p>
+        </p:txBody>
+      </p:sp>
+      <p:sp>
+        <p:nvSpPr>
+          <p:cNvPr id="88" name="Прямоугольник 87"/>
+          <p:cNvSpPr/>
+          <p:nvPr/>
+        </p:nvSpPr>
+        <p:spPr>
+          <a:xfrm>
+            <a:off x="13197643" y="7793489"/>
+            <a:ext cx="2115918" cy="1080000"/>
+          </a:xfrm>
+          <a:prstGeom prst="rect">
+            <a:avLst/>
+          </a:prstGeom>
+          <a:ln w="28575"/>
+        </p:spPr>
+        <p:style>
+          <a:lnRef idx="2">
+            <a:schemeClr val="accent1"/>
+          </a:lnRef>
+          <a:fillRef idx="1">
+            <a:schemeClr val="lt1"/>
+          </a:fillRef>
+          <a:effectRef idx="0">
+            <a:schemeClr val="accent1"/>
+          </a:effectRef>
+          <a:fontRef idx="minor">
+            <a:schemeClr val="dk1"/>
+          </a:fontRef>
+        </p:style>
+        <p:txBody>
+          <a:bodyPr lIns="124733" tIns="62367" rIns="124733" bIns="62367" rtlCol="0" anchor="ctr"/>
+          <a:lstStyle/>
+          <a:p>
+            <a:pPr algn="ctr"/>
+            <a:r>
+              <a:rPr lang="ru-RU" sz="1400" dirty="0"/>
+              <a:t>Поддержать газету </a:t>
+            </a:r>
+            <a:r>
+              <a:rPr lang="ru-RU" sz="1400" dirty="0" err="1"/>
+              <a:t>Нагараватта</a:t>
+            </a:r>
+            <a:r>
+              <a:rPr lang="ru-RU" sz="1400" dirty="0"/>
+              <a:t> </a:t>
+            </a:r>
+            <a:r>
+              <a:rPr lang="ru-RU" sz="400" dirty="0"/>
+              <a:t>(Один из </a:t>
+            </a:r>
+            <a:r>
+              <a:rPr lang="ru-RU" sz="400" dirty="0" smtClean="0"/>
+              <a:t>ее </a:t>
+            </a:r>
+            <a:r>
+              <a:rPr lang="ru-RU" sz="400" dirty="0"/>
+              <a:t>активных, Сон </a:t>
+            </a:r>
+            <a:r>
+              <a:rPr lang="ru-RU" sz="400" dirty="0" err="1"/>
+              <a:t>Нгок</a:t>
+            </a:r>
+            <a:r>
+              <a:rPr lang="ru-RU" sz="400" dirty="0"/>
+              <a:t> </a:t>
+            </a:r>
+            <a:r>
+              <a:rPr lang="ru-RU" sz="400" dirty="0" err="1"/>
+              <a:t>Тхань</a:t>
+            </a:r>
+            <a:r>
+              <a:rPr lang="ru-RU" sz="400" dirty="0"/>
+              <a:t> , кхмер Кром, родившийся в провинции </a:t>
+            </a:r>
+            <a:r>
+              <a:rPr lang="ru-RU" sz="400" dirty="0" err="1"/>
+              <a:t>Тра</a:t>
+            </a:r>
+            <a:r>
+              <a:rPr lang="ru-RU" sz="400" dirty="0"/>
+              <a:t> </a:t>
+            </a:r>
+            <a:r>
+              <a:rPr lang="ru-RU" sz="400" dirty="0" err="1"/>
+              <a:t>Винь</a:t>
+            </a:r>
+            <a:r>
+              <a:rPr lang="ru-RU" sz="400" dirty="0"/>
+              <a:t> , приезжает в Пномпень, чтобы работать там в недавно созданном буддийском институте : в 1936 году вместе со своими двумя коллегами Симом Варом и </a:t>
+            </a:r>
+            <a:r>
+              <a:rPr lang="ru-RU" sz="400" dirty="0" err="1"/>
+              <a:t>Пач</a:t>
+            </a:r>
+            <a:r>
+              <a:rPr lang="ru-RU" sz="400" dirty="0"/>
+              <a:t> </a:t>
+            </a:r>
+            <a:r>
+              <a:rPr lang="ru-RU" sz="400" dirty="0" err="1"/>
+              <a:t>Чхойном</a:t>
+            </a:r>
+            <a:r>
+              <a:rPr lang="ru-RU" sz="400" dirty="0"/>
+              <a:t>. он запускает газету, </a:t>
+            </a:r>
+            <a:r>
+              <a:rPr lang="ru-RU" sz="400" dirty="0" err="1"/>
+              <a:t>Нагараватта</a:t>
+            </a:r>
+            <a:r>
+              <a:rPr lang="ru-RU" sz="400" dirty="0"/>
+              <a:t>(«Наш город»), чей успех встревожил французские власти и который с 1940 года принял редакционную линию, явно антиколониальную, но также и </a:t>
+            </a:r>
+            <a:r>
+              <a:rPr lang="ru-RU" sz="400" dirty="0" err="1"/>
+              <a:t>антивьетнамскую</a:t>
+            </a:r>
+            <a:r>
+              <a:rPr lang="ru-RU" sz="400" dirty="0" smtClean="0"/>
+              <a:t>)</a:t>
+            </a:r>
+            <a:endParaRPr lang="ru-RU" sz="400" dirty="0"/>
+          </a:p>
+        </p:txBody>
+      </p:sp>
+      <p:sp>
+        <p:nvSpPr>
+          <p:cNvPr id="91" name="Прямоугольник 90"/>
+          <p:cNvSpPr/>
+          <p:nvPr/>
+        </p:nvSpPr>
+        <p:spPr>
+          <a:xfrm>
+            <a:off x="18114535" y="7793489"/>
+            <a:ext cx="2115918" cy="1080000"/>
+          </a:xfrm>
+          <a:prstGeom prst="rect">
+            <a:avLst/>
+          </a:prstGeom>
+          <a:ln w="28575"/>
+        </p:spPr>
+        <p:style>
+          <a:lnRef idx="2">
+            <a:schemeClr val="accent1"/>
+          </a:lnRef>
+          <a:fillRef idx="1">
+            <a:schemeClr val="lt1"/>
+          </a:fillRef>
+          <a:effectRef idx="0">
+            <a:schemeClr val="accent1"/>
+          </a:effectRef>
+          <a:fontRef idx="minor">
+            <a:schemeClr val="dk1"/>
+          </a:fontRef>
+        </p:style>
+        <p:txBody>
+          <a:bodyPr lIns="124733" tIns="62367" rIns="124733" bIns="62367" rtlCol="0" anchor="ctr"/>
+          <a:lstStyle/>
+          <a:p>
+            <a:pPr algn="ctr"/>
+            <a:r>
+              <a:rPr lang="ru-RU" sz="1400" dirty="0" smtClean="0"/>
+              <a:t>Выступить против кхмерского национализма</a:t>
+            </a:r>
+            <a:endParaRPr lang="ru-RU" sz="400" dirty="0" smtClean="0"/>
+          </a:p>
+        </p:txBody>
+      </p:sp>
+      <p:cxnSp>
+        <p:nvCxnSpPr>
+          <p:cNvPr id="93" name="Прямая соединительная линия 92"/>
+          <p:cNvCxnSpPr>
+            <a:stCxn id="88" idx="3"/>
+            <a:endCxn id="91" idx="1"/>
+          </p:cNvCxnSpPr>
+          <p:nvPr/>
+        </p:nvCxnSpPr>
+        <p:spPr>
+          <a:xfrm>
+            <a:off x="15313561" y="8333489"/>
+            <a:ext cx="2800974" cy="0"/>
+          </a:xfrm>
+          <a:prstGeom prst="line">
+            <a:avLst/>
+          </a:prstGeom>
+          <a:ln w="28575">
+            <a:solidFill>
+              <a:srgbClr val="FF0000"/>
+            </a:solidFill>
+          </a:ln>
+        </p:spPr>
+        <p:style>
+          <a:lnRef idx="1">
+            <a:schemeClr val="accent1"/>
+          </a:lnRef>
+          <a:fillRef idx="0">
+            <a:schemeClr val="accent1"/>
+          </a:fillRef>
+          <a:effectRef idx="0">
+            <a:schemeClr val="accent1"/>
+          </a:effectRef>
+          <a:fontRef idx="minor">
+            <a:schemeClr val="tx1"/>
+          </a:fontRef>
+        </p:style>
+      </p:cxnSp>
+      <p:cxnSp>
+        <p:nvCxnSpPr>
+          <p:cNvPr id="94" name="Соединительная линия уступом 93"/>
+          <p:cNvCxnSpPr>
+            <a:stCxn id="87" idx="2"/>
+            <a:endCxn id="91" idx="0"/>
+          </p:cNvCxnSpPr>
+          <p:nvPr/>
+        </p:nvCxnSpPr>
+        <p:spPr>
+          <a:xfrm rot="16200000" flipH="1">
+            <a:off x="16983533" y="5604528"/>
+            <a:ext cx="640516" cy="3737406"/>
+          </a:xfrm>
+          <a:prstGeom prst="bentConnector3">
+            <a:avLst>
+              <a:gd name="adj1" fmla="val 50000"/>
+            </a:avLst>
+          </a:prstGeom>
+          <a:ln w="28575">
+            <a:tailEnd type="arrow"/>
+          </a:ln>
+        </p:spPr>
+        <p:style>
+          <a:lnRef idx="1">
+            <a:schemeClr val="accent1"/>
+          </a:lnRef>
+          <a:fillRef idx="0">
+            <a:schemeClr val="accent1"/>
+          </a:fillRef>
+          <a:effectRef idx="0">
+            <a:schemeClr val="accent1"/>
+          </a:effectRef>
+          <a:fontRef idx="minor">
+            <a:schemeClr val="tx1"/>
+          </a:fontRef>
+        </p:style>
+      </p:cxnSp>
+      <p:cxnSp>
+        <p:nvCxnSpPr>
+          <p:cNvPr id="96" name="Соединительная линия уступом 95"/>
+          <p:cNvCxnSpPr>
+            <a:stCxn id="87" idx="2"/>
+            <a:endCxn id="88" idx="0"/>
+          </p:cNvCxnSpPr>
+          <p:nvPr/>
+        </p:nvCxnSpPr>
+        <p:spPr>
+          <a:xfrm rot="5400000">
+            <a:off x="14525087" y="6883488"/>
+            <a:ext cx="640516" cy="1179486"/>
+          </a:xfrm>
+          <a:prstGeom prst="bentConnector3">
+            <a:avLst>
+              <a:gd name="adj1" fmla="val 50000"/>
+            </a:avLst>
+          </a:prstGeom>
+          <a:ln w="28575">
+            <a:tailEnd type="arrow"/>
+          </a:ln>
+        </p:spPr>
+        <p:style>
+          <a:lnRef idx="1">
+            <a:schemeClr val="accent1"/>
+          </a:lnRef>
+          <a:fillRef idx="0">
+            <a:schemeClr val="accent1"/>
+          </a:fillRef>
+          <a:effectRef idx="0">
+            <a:schemeClr val="accent1"/>
+          </a:effectRef>
+          <a:fontRef idx="minor">
+            <a:schemeClr val="tx1"/>
+          </a:fontRef>
+        </p:style>
+      </p:cxnSp>
+      <p:cxnSp>
+        <p:nvCxnSpPr>
+          <p:cNvPr id="97" name="Прямая со стрелкой 96"/>
+          <p:cNvCxnSpPr>
+            <a:stCxn id="88" idx="2"/>
+            <a:endCxn id="125" idx="0"/>
+          </p:cNvCxnSpPr>
+          <p:nvPr/>
+        </p:nvCxnSpPr>
+        <p:spPr>
+          <a:xfrm>
+            <a:off x="14255602" y="8873489"/>
+            <a:ext cx="0" cy="399883"/>
+          </a:xfrm>
+          <a:prstGeom prst="straightConnector1">
+            <a:avLst/>
+          </a:prstGeom>
+          <a:ln w="28575">
+            <a:tailEnd type="arrow"/>
+          </a:ln>
+        </p:spPr>
+        <p:style>
+          <a:lnRef idx="1">
+            <a:schemeClr val="accent1"/>
+          </a:lnRef>
+          <a:fillRef idx="0">
+            <a:schemeClr val="accent1"/>
+          </a:fillRef>
+          <a:effectRef idx="0">
+            <a:schemeClr val="accent1"/>
+          </a:effectRef>
+          <a:fontRef idx="minor">
+            <a:schemeClr val="tx1"/>
+          </a:fontRef>
+        </p:style>
+      </p:cxnSp>
+      <p:cxnSp>
+        <p:nvCxnSpPr>
+          <p:cNvPr id="99" name="Прямая со стрелкой 98"/>
+          <p:cNvCxnSpPr>
+            <a:stCxn id="91" idx="2"/>
+            <a:endCxn id="81" idx="0"/>
+          </p:cNvCxnSpPr>
+          <p:nvPr/>
+        </p:nvCxnSpPr>
+        <p:spPr>
+          <a:xfrm flipH="1">
+            <a:off x="19168018" y="8873489"/>
+            <a:ext cx="4476" cy="399883"/>
+          </a:xfrm>
+          <a:prstGeom prst="straightConnector1">
+            <a:avLst/>
+          </a:prstGeom>
+          <a:ln w="28575">
+            <a:tailEnd type="arrow"/>
+          </a:ln>
+        </p:spPr>
+        <p:style>
+          <a:lnRef idx="1">
+            <a:schemeClr val="accent1"/>
+          </a:lnRef>
+          <a:fillRef idx="0">
+            <a:schemeClr val="accent1"/>
+          </a:fillRef>
+          <a:effectRef idx="0">
+            <a:schemeClr val="accent1"/>
+          </a:effectRef>
+          <a:fontRef idx="minor">
+            <a:schemeClr val="tx1"/>
+          </a:fontRef>
+        </p:style>
+      </p:cxnSp>
+      <p:cxnSp>
+        <p:nvCxnSpPr>
+          <p:cNvPr id="100" name="Соединительная линия уступом 99"/>
+          <p:cNvCxnSpPr>
+            <a:stCxn id="81" idx="2"/>
+            <a:endCxn id="78" idx="0"/>
+          </p:cNvCxnSpPr>
+          <p:nvPr/>
+        </p:nvCxnSpPr>
+        <p:spPr>
+          <a:xfrm rot="16200000" flipH="1">
+            <a:off x="20167979" y="9353411"/>
+            <a:ext cx="399882" cy="2399804"/>
+          </a:xfrm>
+          <a:prstGeom prst="bentConnector3">
+            <a:avLst>
+              <a:gd name="adj1" fmla="val 50000"/>
+            </a:avLst>
+          </a:prstGeom>
+          <a:ln w="28575">
+            <a:tailEnd type="arrow"/>
+          </a:ln>
+        </p:spPr>
+        <p:style>
+          <a:lnRef idx="1">
+            <a:schemeClr val="accent1"/>
+          </a:lnRef>
+          <a:fillRef idx="0">
+            <a:schemeClr val="accent1"/>
+          </a:fillRef>
+          <a:effectRef idx="0">
+            <a:schemeClr val="accent1"/>
+          </a:effectRef>
+          <a:fontRef idx="minor">
+            <a:schemeClr val="tx1"/>
+          </a:fontRef>
+        </p:style>
+      </p:cxnSp>
+      <p:sp>
+        <p:nvSpPr>
+          <p:cNvPr id="102" name="Прямоугольник 101"/>
+          <p:cNvSpPr/>
+          <p:nvPr/>
+        </p:nvSpPr>
+        <p:spPr>
+          <a:xfrm>
+            <a:off x="15559180" y="10753254"/>
+            <a:ext cx="2115918" cy="1080000"/>
+          </a:xfrm>
+          <a:prstGeom prst="rect">
+            <a:avLst/>
+          </a:prstGeom>
+          <a:solidFill>
+            <a:srgbClr val="CC66FF"/>
+          </a:solidFill>
+          <a:ln w="28575"/>
+        </p:spPr>
+        <p:style>
+          <a:lnRef idx="2">
+            <a:schemeClr val="accent1"/>
+          </a:lnRef>
+          <a:fillRef idx="1">
+            <a:schemeClr val="lt1"/>
+          </a:fillRef>
+          <a:effectRef idx="0">
+            <a:schemeClr val="accent1"/>
+          </a:effectRef>
+          <a:fontRef idx="minor">
+            <a:schemeClr val="dk1"/>
+          </a:fontRef>
+        </p:style>
+        <p:txBody>
+          <a:bodyPr lIns="124733" tIns="62367" rIns="124733" bIns="62367" rtlCol="0" anchor="ctr"/>
+          <a:lstStyle/>
+          <a:p>
+            <a:pPr algn="ctr"/>
+            <a:r>
+              <a:rPr lang="ru-RU" sz="1400" dirty="0" smtClean="0"/>
+              <a:t>Расширить скаутское движение (</a:t>
+            </a:r>
+            <a:r>
+              <a:rPr lang="en-US" sz="1400" dirty="0" err="1"/>
+              <a:t>Angkar</a:t>
+            </a:r>
+            <a:r>
+              <a:rPr lang="en-US" sz="1400" dirty="0"/>
+              <a:t> </a:t>
+            </a:r>
+            <a:r>
+              <a:rPr lang="en-US" sz="1400" dirty="0" err="1"/>
+              <a:t>Khemarak</a:t>
+            </a:r>
+            <a:r>
+              <a:rPr lang="en-US" sz="1400" dirty="0"/>
+              <a:t> </a:t>
+            </a:r>
+            <a:r>
+              <a:rPr lang="en-US" sz="1400" dirty="0" err="1"/>
+              <a:t>Kayarith</a:t>
+            </a:r>
+            <a:r>
+              <a:rPr lang="ru-RU" sz="1400" dirty="0" smtClean="0"/>
+              <a:t>)</a:t>
+            </a:r>
+          </a:p>
+        </p:txBody>
+      </p:sp>
+      <p:sp>
+        <p:nvSpPr>
+          <p:cNvPr id="103" name="Прямоугольник 102"/>
+          <p:cNvSpPr/>
+          <p:nvPr/>
+        </p:nvSpPr>
+        <p:spPr>
+          <a:xfrm>
+            <a:off x="18110059" y="10754026"/>
+            <a:ext cx="2115918" cy="1080000"/>
+          </a:xfrm>
+          <a:prstGeom prst="rect">
+            <a:avLst/>
+          </a:prstGeom>
+          <a:solidFill>
+            <a:schemeClr val="bg1">
+              <a:lumMod val="65000"/>
+            </a:schemeClr>
+          </a:solidFill>
+          <a:ln w="28575"/>
+        </p:spPr>
+        <p:style>
+          <a:lnRef idx="2">
+            <a:schemeClr val="accent1"/>
+          </a:lnRef>
+          <a:fillRef idx="1">
+            <a:schemeClr val="lt1"/>
+          </a:fillRef>
+          <a:effectRef idx="0">
+            <a:schemeClr val="accent1"/>
+          </a:effectRef>
+          <a:fontRef idx="minor">
+            <a:schemeClr val="dk1"/>
+          </a:fontRef>
+        </p:style>
+        <p:txBody>
+          <a:bodyPr lIns="124733" tIns="62367" rIns="124733" bIns="62367" rtlCol="0" anchor="ctr"/>
+          <a:lstStyle/>
+          <a:p>
+            <a:pPr algn="ctr"/>
+            <a:r>
+              <a:rPr lang="ru-RU" sz="1400" dirty="0" smtClean="0"/>
+              <a:t>Репрессии духовенства</a:t>
+            </a:r>
+            <a:endParaRPr lang="ru-RU" sz="400" dirty="0" smtClean="0"/>
+          </a:p>
+        </p:txBody>
+      </p:sp>
+      <p:cxnSp>
+        <p:nvCxnSpPr>
+          <p:cNvPr id="109" name="Прямая соединительная линия 108"/>
+          <p:cNvCxnSpPr>
+            <a:stCxn id="103" idx="3"/>
+            <a:endCxn id="78" idx="1"/>
+          </p:cNvCxnSpPr>
+          <p:nvPr/>
+        </p:nvCxnSpPr>
+        <p:spPr>
+          <a:xfrm flipV="1">
+            <a:off x="20225977" y="11293254"/>
+            <a:ext cx="283886" cy="772"/>
+          </a:xfrm>
+          <a:prstGeom prst="line">
+            <a:avLst/>
+          </a:prstGeom>
+          <a:ln w="28575">
+            <a:solidFill>
+              <a:srgbClr val="FF0000"/>
+            </a:solidFill>
+          </a:ln>
+        </p:spPr>
+        <p:style>
+          <a:lnRef idx="1">
+            <a:schemeClr val="accent1"/>
+          </a:lnRef>
+          <a:fillRef idx="0">
+            <a:schemeClr val="accent1"/>
+          </a:fillRef>
+          <a:effectRef idx="0">
+            <a:schemeClr val="accent1"/>
+          </a:effectRef>
+          <a:fontRef idx="minor">
+            <a:schemeClr val="tx1"/>
+          </a:fontRef>
+        </p:style>
+      </p:cxnSp>
+      <p:cxnSp>
+        <p:nvCxnSpPr>
+          <p:cNvPr id="110" name="Прямая со стрелкой 109"/>
+          <p:cNvCxnSpPr>
+            <a:stCxn id="79" idx="2"/>
+            <a:endCxn id="102" idx="0"/>
+          </p:cNvCxnSpPr>
+          <p:nvPr/>
+        </p:nvCxnSpPr>
+        <p:spPr>
+          <a:xfrm flipH="1">
+            <a:off x="16617139" y="10353372"/>
+            <a:ext cx="136" cy="399882"/>
+          </a:xfrm>
+          <a:prstGeom prst="straightConnector1">
+            <a:avLst/>
+          </a:prstGeom>
+          <a:ln w="28575">
+            <a:tailEnd type="arrow"/>
+          </a:ln>
+        </p:spPr>
+        <p:style>
+          <a:lnRef idx="1">
+            <a:schemeClr val="accent1"/>
+          </a:lnRef>
+          <a:fillRef idx="0">
+            <a:schemeClr val="accent1"/>
+          </a:fillRef>
+          <a:effectRef idx="0">
+            <a:schemeClr val="accent1"/>
+          </a:effectRef>
+          <a:fontRef idx="minor">
+            <a:schemeClr val="tx1"/>
+          </a:fontRef>
+        </p:style>
+      </p:cxnSp>
+      <p:cxnSp>
+        <p:nvCxnSpPr>
+          <p:cNvPr id="112" name="Прямая со стрелкой 111"/>
+          <p:cNvCxnSpPr>
+            <a:stCxn id="81" idx="2"/>
+            <a:endCxn id="103" idx="0"/>
+          </p:cNvCxnSpPr>
+          <p:nvPr/>
+        </p:nvCxnSpPr>
+        <p:spPr>
+          <a:xfrm>
+            <a:off x="19168018" y="10353372"/>
+            <a:ext cx="0" cy="400654"/>
+          </a:xfrm>
+          <a:prstGeom prst="straightConnector1">
+            <a:avLst/>
+          </a:prstGeom>
+          <a:ln w="28575">
+            <a:tailEnd type="arrow"/>
+          </a:ln>
+        </p:spPr>
+        <p:style>
+          <a:lnRef idx="1">
+            <a:schemeClr val="accent1"/>
+          </a:lnRef>
+          <a:fillRef idx="0">
+            <a:schemeClr val="accent1"/>
+          </a:fillRef>
+          <a:effectRef idx="0">
+            <a:schemeClr val="accent1"/>
+          </a:effectRef>
+          <a:fontRef idx="minor">
+            <a:schemeClr val="tx1"/>
+          </a:fontRef>
+        </p:style>
+      </p:cxnSp>
+      <p:cxnSp>
+        <p:nvCxnSpPr>
+          <p:cNvPr id="113" name="Прямая со стрелкой 112"/>
+          <p:cNvCxnSpPr>
+            <a:stCxn id="103" idx="2"/>
+            <a:endCxn id="84" idx="0"/>
+          </p:cNvCxnSpPr>
+          <p:nvPr/>
+        </p:nvCxnSpPr>
+        <p:spPr>
+          <a:xfrm>
+            <a:off x="19168018" y="11834026"/>
+            <a:ext cx="0" cy="400700"/>
+          </a:xfrm>
+          <a:prstGeom prst="straightConnector1">
+            <a:avLst/>
+          </a:prstGeom>
+          <a:ln w="28575">
+            <a:tailEnd type="arrow"/>
+          </a:ln>
+        </p:spPr>
+        <p:style>
+          <a:lnRef idx="1">
+            <a:schemeClr val="accent1"/>
+          </a:lnRef>
+          <a:fillRef idx="0">
+            <a:schemeClr val="accent1"/>
+          </a:fillRef>
+          <a:effectRef idx="0">
+            <a:schemeClr val="accent1"/>
+          </a:effectRef>
+          <a:fontRef idx="minor">
+            <a:schemeClr val="tx1"/>
+          </a:fontRef>
+        </p:style>
+      </p:cxnSp>
+      <p:sp>
+        <p:nvSpPr>
+          <p:cNvPr id="90" name="Прямоугольник 89"/>
+          <p:cNvSpPr/>
+          <p:nvPr/>
+        </p:nvSpPr>
+        <p:spPr>
+          <a:xfrm>
+            <a:off x="12233915" y="473108"/>
+            <a:ext cx="2115918" cy="1080000"/>
+          </a:xfrm>
+          <a:prstGeom prst="rect">
+            <a:avLst/>
+          </a:prstGeom>
+          <a:ln w="28575"/>
+        </p:spPr>
+        <p:style>
+          <a:lnRef idx="2">
+            <a:schemeClr val="accent1"/>
+          </a:lnRef>
+          <a:fillRef idx="1">
+            <a:schemeClr val="lt1"/>
+          </a:fillRef>
+          <a:effectRef idx="0">
+            <a:schemeClr val="accent1"/>
+          </a:effectRef>
+          <a:fontRef idx="minor">
+            <a:schemeClr val="dk1"/>
+          </a:fontRef>
+        </p:style>
+        <p:txBody>
+          <a:bodyPr lIns="124733" tIns="62367" rIns="124733" bIns="62367" rtlCol="0" anchor="ctr"/>
+          <a:lstStyle/>
+          <a:p>
+            <a:pPr algn="ctr"/>
+            <a:r>
+              <a:rPr lang="ru-RU" sz="1050" dirty="0" smtClean="0"/>
+              <a:t>НД Стартовые Камбоджа</a:t>
+            </a:r>
+            <a:r>
+              <a:rPr lang="en-US" sz="1050" dirty="0" smtClean="0"/>
+              <a:t>:</a:t>
+            </a:r>
+            <a:r>
+              <a:rPr lang="ru-RU" sz="1050" dirty="0" smtClean="0"/>
+              <a:t/>
+            </a:r>
+            <a:br>
+              <a:rPr lang="ru-RU" sz="1050" dirty="0" smtClean="0"/>
+            </a:br>
+            <a:r>
+              <a:rPr lang="ru-RU" sz="1050" dirty="0" smtClean="0"/>
+              <a:t>«Высокие налоги для крестьян»</a:t>
+            </a:r>
+            <a:br>
+              <a:rPr lang="ru-RU" sz="1050" dirty="0" smtClean="0"/>
+            </a:br>
+            <a:r>
+              <a:rPr lang="ru-RU" sz="1050" dirty="0" smtClean="0"/>
+              <a:t>«Недоедание и неполная занятость»</a:t>
+            </a:r>
+          </a:p>
+          <a:p>
+            <a:pPr algn="ctr"/>
+            <a:r>
+              <a:rPr lang="ru-RU" sz="1050" dirty="0" smtClean="0"/>
+              <a:t>«Бандитизм в деревнях»</a:t>
+            </a:r>
+            <a:endParaRPr lang="ru-RU" sz="1050" dirty="0" smtClean="0"/>
+          </a:p>
+        </p:txBody>
+      </p:sp>
+      <p:sp>
+        <p:nvSpPr>
+          <p:cNvPr id="115" name="Прямоугольник 114"/>
+          <p:cNvSpPr/>
+          <p:nvPr/>
+        </p:nvSpPr>
+        <p:spPr>
+          <a:xfrm>
+            <a:off x="20495630" y="9733685"/>
+            <a:ext cx="1648754" cy="618869"/>
+          </a:xfrm>
+          <a:prstGeom prst="rect">
+            <a:avLst/>
+          </a:prstGeom>
+          <a:ln w="28575"/>
+        </p:spPr>
+        <p:style>
+          <a:lnRef idx="2">
+            <a:schemeClr val="accent1"/>
+          </a:lnRef>
+          <a:fillRef idx="1">
+            <a:schemeClr val="lt1"/>
+          </a:fillRef>
+          <a:effectRef idx="0">
+            <a:schemeClr val="accent1"/>
+          </a:effectRef>
+          <a:fontRef idx="minor">
+            <a:schemeClr val="dk1"/>
+          </a:fontRef>
+        </p:style>
+        <p:txBody>
+          <a:bodyPr lIns="124733" tIns="62367" rIns="124733" bIns="62367" rtlCol="0" anchor="ctr"/>
+          <a:lstStyle/>
+          <a:p>
+            <a:pPr algn="ctr"/>
+            <a:r>
+              <a:rPr lang="ru-RU" sz="600" dirty="0" smtClean="0"/>
+              <a:t>Решения и миссии для успеха восстания зонтиков</a:t>
+            </a:r>
+            <a:r>
+              <a:rPr lang="en-US" sz="600" dirty="0" smtClean="0"/>
+              <a:t>: </a:t>
+            </a:r>
+            <a:r>
+              <a:rPr lang="ru-RU" sz="600" dirty="0" smtClean="0"/>
+              <a:t>1.Монашеская пропаганда среди кхмерских солдат и полицейских</a:t>
+            </a:r>
+            <a:br>
+              <a:rPr lang="ru-RU" sz="600" dirty="0" smtClean="0"/>
+            </a:br>
+            <a:r>
+              <a:rPr lang="ru-RU" sz="600" dirty="0" smtClean="0"/>
+              <a:t>2. </a:t>
+            </a:r>
+            <a:r>
+              <a:rPr lang="ru-RU" sz="600" dirty="0" smtClean="0"/>
+              <a:t>Вербовка кхмеров</a:t>
+            </a:r>
+            <a:br>
+              <a:rPr lang="ru-RU" sz="600" dirty="0" smtClean="0"/>
+            </a:br>
+            <a:r>
+              <a:rPr lang="ru-RU" sz="600" dirty="0" smtClean="0"/>
+              <a:t>3. Разведать силы французской армии</a:t>
+            </a:r>
+          </a:p>
+          <a:p>
+            <a:pPr algn="ctr"/>
+            <a:r>
+              <a:rPr lang="ru-RU" sz="600" dirty="0" smtClean="0"/>
+              <a:t>4. Подготовить удары по уязвимым местам.</a:t>
+            </a:r>
+          </a:p>
+          <a:p>
+            <a:pPr algn="ctr"/>
+            <a:r>
+              <a:rPr lang="ru-RU" sz="600" dirty="0" smtClean="0"/>
+              <a:t>5. Начать националистическое восстание</a:t>
+            </a:r>
+            <a:endParaRPr lang="ru-RU" sz="100" dirty="0" smtClean="0"/>
+          </a:p>
+        </p:txBody>
+      </p:sp>
+      <p:cxnSp>
+        <p:nvCxnSpPr>
+          <p:cNvPr id="118" name="Прямая соединительная линия 117"/>
+          <p:cNvCxnSpPr>
+            <a:stCxn id="79" idx="3"/>
+            <a:endCxn id="81" idx="1"/>
+          </p:cNvCxnSpPr>
+          <p:nvPr/>
+        </p:nvCxnSpPr>
+        <p:spPr>
+          <a:xfrm>
+            <a:off x="17675234" y="9813372"/>
+            <a:ext cx="434825" cy="0"/>
+          </a:xfrm>
+          <a:prstGeom prst="line">
+            <a:avLst/>
+          </a:prstGeom>
+          <a:ln w="28575">
+            <a:solidFill>
+              <a:srgbClr val="FF0000"/>
+            </a:solidFill>
+          </a:ln>
+        </p:spPr>
+        <p:style>
+          <a:lnRef idx="1">
+            <a:schemeClr val="accent1"/>
+          </a:lnRef>
+          <a:fillRef idx="0">
+            <a:schemeClr val="accent1"/>
+          </a:fillRef>
+          <a:effectRef idx="0">
+            <a:schemeClr val="accent1"/>
+          </a:effectRef>
+          <a:fontRef idx="minor">
+            <a:schemeClr val="tx1"/>
+          </a:fontRef>
+        </p:style>
+      </p:cxnSp>
+      <p:cxnSp>
+        <p:nvCxnSpPr>
+          <p:cNvPr id="122" name="Соединительная линия уступом 121"/>
+          <p:cNvCxnSpPr>
+            <a:stCxn id="91" idx="2"/>
+            <a:endCxn id="79" idx="0"/>
+          </p:cNvCxnSpPr>
+          <p:nvPr/>
+        </p:nvCxnSpPr>
+        <p:spPr>
+          <a:xfrm rot="5400000">
+            <a:off x="17694944" y="7795821"/>
+            <a:ext cx="399883" cy="2555219"/>
+          </a:xfrm>
+          <a:prstGeom prst="bentConnector3">
+            <a:avLst>
+              <a:gd name="adj1" fmla="val 50000"/>
+            </a:avLst>
+          </a:prstGeom>
+          <a:ln w="28575">
+            <a:tailEnd type="arrow"/>
+          </a:ln>
+        </p:spPr>
+        <p:style>
+          <a:lnRef idx="1">
+            <a:schemeClr val="accent1"/>
+          </a:lnRef>
+          <a:fillRef idx="0">
+            <a:schemeClr val="accent1"/>
+          </a:fillRef>
+          <a:effectRef idx="0">
+            <a:schemeClr val="accent1"/>
+          </a:effectRef>
+          <a:fontRef idx="minor">
+            <a:schemeClr val="tx1"/>
+          </a:fontRef>
+        </p:style>
+      </p:cxnSp>
+      <p:sp>
+        <p:nvSpPr>
+          <p:cNvPr id="125" name="Прямоугольник 124"/>
+          <p:cNvSpPr/>
+          <p:nvPr/>
+        </p:nvSpPr>
+        <p:spPr>
+          <a:xfrm>
+            <a:off x="13197643" y="9273372"/>
+            <a:ext cx="2115918" cy="1080000"/>
+          </a:xfrm>
+          <a:prstGeom prst="rect">
+            <a:avLst/>
+          </a:prstGeom>
+          <a:solidFill>
+            <a:schemeClr val="accent1">
+              <a:lumMod val="60000"/>
+              <a:lumOff val="40000"/>
+            </a:schemeClr>
+          </a:solidFill>
+          <a:ln w="28575"/>
+        </p:spPr>
+        <p:style>
+          <a:lnRef idx="2">
+            <a:schemeClr val="accent1"/>
+          </a:lnRef>
+          <a:fillRef idx="1">
+            <a:schemeClr val="lt1"/>
+          </a:fillRef>
+          <a:effectRef idx="0">
+            <a:schemeClr val="accent1"/>
+          </a:effectRef>
+          <a:fontRef idx="minor">
+            <a:schemeClr val="dk1"/>
+          </a:fontRef>
+        </p:style>
+        <p:txBody>
+          <a:bodyPr lIns="124733" tIns="62367" rIns="124733" bIns="62367" rtlCol="0" anchor="ctr"/>
+          <a:lstStyle/>
+          <a:p>
+            <a:pPr algn="ctr"/>
+            <a:r>
+              <a:rPr lang="ru-RU" sz="1400" dirty="0" smtClean="0"/>
+              <a:t>Основание демократической партии Камбоджи</a:t>
+            </a:r>
+            <a:endParaRPr lang="ru-RU" sz="1400" dirty="0"/>
+          </a:p>
+        </p:txBody>
+      </p:sp>
+      <p:sp>
+        <p:nvSpPr>
+          <p:cNvPr id="128" name="Прямоугольник 127"/>
+          <p:cNvSpPr/>
+          <p:nvPr/>
+        </p:nvSpPr>
+        <p:spPr>
+          <a:xfrm>
+            <a:off x="13197643" y="10754729"/>
+            <a:ext cx="2115918" cy="1080000"/>
+          </a:xfrm>
+          <a:prstGeom prst="rect">
+            <a:avLst/>
+          </a:prstGeom>
+          <a:solidFill>
+            <a:schemeClr val="accent1">
+              <a:lumMod val="60000"/>
+              <a:lumOff val="40000"/>
+            </a:schemeClr>
+          </a:solidFill>
+          <a:ln w="28575"/>
+        </p:spPr>
+        <p:style>
+          <a:lnRef idx="2">
+            <a:schemeClr val="accent1"/>
+          </a:lnRef>
+          <a:fillRef idx="1">
+            <a:schemeClr val="lt1"/>
+          </a:fillRef>
+          <a:effectRef idx="0">
+            <a:schemeClr val="accent1"/>
+          </a:effectRef>
+          <a:fontRef idx="minor">
+            <a:schemeClr val="dk1"/>
+          </a:fontRef>
+        </p:style>
+        <p:txBody>
+          <a:bodyPr lIns="124733" tIns="62367" rIns="124733" bIns="62367" rtlCol="0" anchor="ctr"/>
+          <a:lstStyle/>
+          <a:p>
+            <a:pPr algn="ctr"/>
+            <a:r>
+              <a:rPr lang="ru-RU" sz="1400" dirty="0" smtClean="0"/>
+              <a:t>Король </a:t>
+            </a:r>
+            <a:r>
+              <a:rPr lang="ru-RU" sz="1400" dirty="0" err="1" smtClean="0"/>
+              <a:t>Сисоват</a:t>
+            </a:r>
+            <a:r>
+              <a:rPr lang="ru-RU" sz="1400" dirty="0" smtClean="0"/>
+              <a:t> </a:t>
+            </a:r>
+            <a:r>
+              <a:rPr lang="ru-RU" sz="1400" dirty="0" err="1" smtClean="0"/>
+              <a:t>Ютевонг</a:t>
+            </a:r>
+            <a:endParaRPr lang="ru-RU" sz="1400" dirty="0"/>
+          </a:p>
+        </p:txBody>
+      </p:sp>
+      <p:cxnSp>
+        <p:nvCxnSpPr>
+          <p:cNvPr id="130" name="Прямая со стрелкой 129"/>
+          <p:cNvCxnSpPr>
+            <a:stCxn id="125" idx="2"/>
+            <a:endCxn id="128" idx="0"/>
+          </p:cNvCxnSpPr>
+          <p:nvPr/>
+        </p:nvCxnSpPr>
+        <p:spPr>
+          <a:xfrm>
+            <a:off x="14255602" y="10353372"/>
+            <a:ext cx="0" cy="401357"/>
+          </a:xfrm>
+          <a:prstGeom prst="straightConnector1">
+            <a:avLst/>
+          </a:prstGeom>
+          <a:ln w="28575">
+            <a:tailEnd type="arrow"/>
+          </a:ln>
+        </p:spPr>
+        <p:style>
+          <a:lnRef idx="1">
+            <a:schemeClr val="accent1"/>
+          </a:lnRef>
+          <a:fillRef idx="0">
+            <a:schemeClr val="accent1"/>
+          </a:fillRef>
+          <a:effectRef idx="0">
+            <a:schemeClr val="accent1"/>
+          </a:effectRef>
+          <a:fontRef idx="minor">
+            <a:schemeClr val="tx1"/>
+          </a:fontRef>
+        </p:style>
+      </p:cxnSp>
+      <p:cxnSp>
+        <p:nvCxnSpPr>
+          <p:cNvPr id="132" name="Соединительная линия уступом 131"/>
+          <p:cNvCxnSpPr>
+            <a:stCxn id="87" idx="2"/>
+            <a:endCxn id="76" idx="0"/>
+          </p:cNvCxnSpPr>
+          <p:nvPr/>
+        </p:nvCxnSpPr>
+        <p:spPr>
+          <a:xfrm rot="16200000" flipH="1">
+            <a:off x="19381031" y="3207030"/>
+            <a:ext cx="640516" cy="8532402"/>
+          </a:xfrm>
+          <a:prstGeom prst="bentConnector3">
+            <a:avLst>
+              <a:gd name="adj1" fmla="val 50000"/>
+            </a:avLst>
+          </a:prstGeom>
+          <a:ln w="28575">
+            <a:tailEnd type="arrow"/>
+          </a:ln>
+        </p:spPr>
+        <p:style>
+          <a:lnRef idx="1">
+            <a:schemeClr val="accent1"/>
+          </a:lnRef>
+          <a:fillRef idx="0">
+            <a:schemeClr val="accent1"/>
+          </a:fillRef>
+          <a:effectRef idx="0">
+            <a:schemeClr val="accent1"/>
+          </a:effectRef>
+          <a:fontRef idx="minor">
+            <a:schemeClr val="tx1"/>
+          </a:fontRef>
+        </p:style>
+      </p:cxnSp>
+      <p:cxnSp>
+        <p:nvCxnSpPr>
+          <p:cNvPr id="138" name="Прямая соединительная линия 137"/>
+          <p:cNvCxnSpPr>
+            <a:stCxn id="91" idx="3"/>
+            <a:endCxn id="76" idx="1"/>
+          </p:cNvCxnSpPr>
+          <p:nvPr/>
+        </p:nvCxnSpPr>
+        <p:spPr>
+          <a:xfrm>
+            <a:off x="20230453" y="8333489"/>
+            <a:ext cx="2679078" cy="0"/>
+          </a:xfrm>
+          <a:prstGeom prst="line">
+            <a:avLst/>
+          </a:prstGeom>
+          <a:ln w="28575">
+            <a:solidFill>
+              <a:srgbClr val="FF0000"/>
+            </a:solidFill>
           </a:ln>
         </p:spPr>
         <p:style>
